--- a/Bayer Pharma.pptx
+++ b/Bayer Pharma.pptx
@@ -208,7 +208,7 @@
             </a:lvl1pPr>
           </a:lstStyle>
           <a:p>
-            <a:fld id="{E50332A2-9950-4DF0-BE6D-C8DB458D8B57}" type="datetimeFigureOut">
+            <a:fld id="{5E030495-0F90-4FD2-BC6D-C6A9780826E9}" type="datetimeFigureOut">
               <a:rPr lang="en-IN" smtClean="0"/>
               <a:t>25-11-2025</a:t>
             </a:fld>
@@ -367,7 +367,7 @@
             </a:lvl1pPr>
           </a:lstStyle>
           <a:p>
-            <a:fld id="{30365704-E3E4-451D-9B20-ED9CE609D8C3}" type="slidenum">
+            <a:fld id="{584CA53D-3885-4BAF-80CA-7924EEBA4204}" type="slidenum">
               <a:rPr lang="en-IN" smtClean="0"/>
               <a:t>‹#›</a:t>
             </a:fld>
@@ -378,7 +378,7 @@
     </p:spTree>
     <p:extLst>
       <p:ext uri="{BB962C8B-B14F-4D97-AF65-F5344CB8AC3E}">
-        <p14:creationId xmlns:p14="http://schemas.microsoft.com/office/powerpoint/2010/main" val="129895539"/>
+        <p14:creationId xmlns:p14="http://schemas.microsoft.com/office/powerpoint/2010/main" val="1185537415"/>
       </p:ext>
     </p:extLst>
   </p:cSld>
@@ -4707,7 +4707,7 @@
         <p:spPr>
           <a:xfrm>
             <a:off x="1249680" y="1005840"/>
-            <a:ext cx="10241280" cy="5303520"/>
+            <a:ext cx="10241280" cy="5086350"/>
           </a:xfrm>
           <a:prstGeom prst="roundRect">
             <a:avLst/>
@@ -4754,7 +4754,7 @@
         </p:nvGraphicFramePr>
         <p:xfrm>
           <a:off x="1615441" y="1371600"/>
-          <a:ext cx="9532803" cy="4663440"/>
+          <a:ext cx="9532803" cy="4446270"/>
         </p:xfrm>
         <a:graphic>
           <a:graphicData uri="http://schemas.openxmlformats.org/drawingml/2006/table">
@@ -4813,13 +4813,13 @@
                   </a:extLst>
                 </a:gridCol>
               </a:tblGrid>
-              <a:tr h="582930">
-                <a:tc>
-                  <a:txBody>
-                    <a:bodyPr/>
-                    <a:lstStyle/>
-                    <a:p>
-                      <a:pPr algn="ctr">
+              <a:tr h="365760">
+                <a:tc>
+                  <a:txBody>
+                    <a:bodyPr/>
+                    <a:lstStyle/>
+                    <a:p>
+                      <a:pPr algn="l">
                         <a:defRPr sz="1600" b="1">
                           <a:solidFill>
                             <a:srgbClr val="FFFFFF"/>
@@ -4842,7 +4842,7 @@
                     <a:bodyPr/>
                     <a:lstStyle/>
                     <a:p>
-                      <a:pPr algn="ctr">
+                      <a:pPr algn="l">
                         <a:defRPr sz="1600" b="1">
                           <a:solidFill>
                             <a:srgbClr val="FFFFFF"/>
@@ -4865,7 +4865,7 @@
                     <a:bodyPr/>
                     <a:lstStyle/>
                     <a:p>
-                      <a:pPr algn="ctr">
+                      <a:pPr algn="l">
                         <a:defRPr sz="1600" b="1">
                           <a:solidFill>
                             <a:srgbClr val="FFFFFF"/>
@@ -4888,7 +4888,7 @@
                     <a:bodyPr/>
                     <a:lstStyle/>
                     <a:p>
-                      <a:pPr algn="ctr">
+                      <a:pPr algn="l">
                         <a:defRPr sz="1600" b="1">
                           <a:solidFill>
                             <a:srgbClr val="FFFFFF"/>
@@ -4911,7 +4911,7 @@
                     <a:bodyPr/>
                     <a:lstStyle/>
                     <a:p>
-                      <a:pPr algn="ctr">
+                      <a:pPr algn="l">
                         <a:defRPr sz="1600" b="1">
                           <a:solidFill>
                             <a:srgbClr val="FFFFFF"/>
@@ -4934,7 +4934,7 @@
                     <a:bodyPr/>
                     <a:lstStyle/>
                     <a:p>
-                      <a:pPr algn="ctr">
+                      <a:pPr algn="l">
                         <a:defRPr sz="1600" b="1">
                           <a:solidFill>
                             <a:srgbClr val="FFFFFF"/>
@@ -4957,7 +4957,7 @@
                     <a:bodyPr/>
                     <a:lstStyle/>
                     <a:p>
-                      <a:pPr algn="ctr">
+                      <a:pPr algn="l">
                         <a:defRPr sz="1600" b="1">
                           <a:solidFill>
                             <a:srgbClr val="FFFFFF"/>
@@ -6169,7 +6169,7 @@
         </p:nvSpPr>
         <p:spPr>
           <a:xfrm>
-            <a:off x="10462443" y="2191131"/>
+            <a:off x="10462443" y="1973961"/>
             <a:ext cx="640080" cy="109728"/>
           </a:xfrm>
           <a:prstGeom prst="roundRect">
@@ -6213,7 +6213,7 @@
         </p:nvSpPr>
         <p:spPr>
           <a:xfrm>
-            <a:off x="10462443" y="2191131"/>
+            <a:off x="10462443" y="1973961"/>
             <a:ext cx="163924" cy="109728"/>
           </a:xfrm>
           <a:prstGeom prst="roundRect">
@@ -6257,7 +6257,7 @@
         </p:nvSpPr>
         <p:spPr>
           <a:xfrm>
-            <a:off x="10462443" y="2774061"/>
+            <a:off x="10462443" y="2556891"/>
             <a:ext cx="640080" cy="109728"/>
           </a:xfrm>
           <a:prstGeom prst="roundRect">
@@ -6301,7 +6301,7 @@
         </p:nvSpPr>
         <p:spPr>
           <a:xfrm>
-            <a:off x="10462443" y="2774061"/>
+            <a:off x="10462443" y="2556891"/>
             <a:ext cx="131664" cy="109728"/>
           </a:xfrm>
           <a:prstGeom prst="roundRect">
@@ -6345,7 +6345,7 @@
         </p:nvSpPr>
         <p:spPr>
           <a:xfrm>
-            <a:off x="10462443" y="3356991"/>
+            <a:off x="10462443" y="3139821"/>
             <a:ext cx="640080" cy="109728"/>
           </a:xfrm>
           <a:prstGeom prst="roundRect">
@@ -6389,7 +6389,7 @@
         </p:nvSpPr>
         <p:spPr>
           <a:xfrm>
-            <a:off x="10462443" y="3356991"/>
+            <a:off x="10462443" y="3139821"/>
             <a:ext cx="208410" cy="109728"/>
           </a:xfrm>
           <a:prstGeom prst="roundRect">
@@ -6433,7 +6433,7 @@
         </p:nvSpPr>
         <p:spPr>
           <a:xfrm>
-            <a:off x="10462443" y="3939921"/>
+            <a:off x="10462443" y="3722751"/>
             <a:ext cx="640080" cy="109728"/>
           </a:xfrm>
           <a:prstGeom prst="roundRect">
@@ -6477,7 +6477,7 @@
         </p:nvSpPr>
         <p:spPr>
           <a:xfrm>
-            <a:off x="10462444" y="3939921"/>
+            <a:off x="10462444" y="3722751"/>
             <a:ext cx="238749" cy="109728"/>
           </a:xfrm>
           <a:prstGeom prst="roundRect">
@@ -6521,7 +6521,7 @@
         </p:nvSpPr>
         <p:spPr>
           <a:xfrm>
-            <a:off x="10462443" y="4522851"/>
+            <a:off x="10462443" y="4305681"/>
             <a:ext cx="640080" cy="109728"/>
           </a:xfrm>
           <a:prstGeom prst="roundRect">
@@ -6565,7 +6565,7 @@
         </p:nvSpPr>
         <p:spPr>
           <a:xfrm>
-            <a:off x="10462444" y="4522851"/>
+            <a:off x="10462444" y="4305681"/>
             <a:ext cx="249055" cy="109728"/>
           </a:xfrm>
           <a:prstGeom prst="roundRect">
@@ -6609,7 +6609,7 @@
         </p:nvSpPr>
         <p:spPr>
           <a:xfrm>
-            <a:off x="10462443" y="5105781"/>
+            <a:off x="10462443" y="4888611"/>
             <a:ext cx="640080" cy="109728"/>
           </a:xfrm>
           <a:prstGeom prst="roundRect">
@@ -6653,7 +6653,7 @@
         </p:nvSpPr>
         <p:spPr>
           <a:xfrm>
-            <a:off x="10462443" y="5105781"/>
+            <a:off x="10462443" y="4888611"/>
             <a:ext cx="292196" cy="109728"/>
           </a:xfrm>
           <a:prstGeom prst="roundRect">
@@ -6697,7 +6697,7 @@
         </p:nvSpPr>
         <p:spPr>
           <a:xfrm>
-            <a:off x="10462443" y="5688711"/>
+            <a:off x="10462443" y="5471541"/>
             <a:ext cx="640080" cy="109728"/>
           </a:xfrm>
           <a:prstGeom prst="roundRect">
@@ -6741,7 +6741,7 @@
         </p:nvSpPr>
         <p:spPr>
           <a:xfrm>
-            <a:off x="10462444" y="5688711"/>
+            <a:off x="10462444" y="5471541"/>
             <a:ext cx="330345" cy="109728"/>
           </a:xfrm>
           <a:prstGeom prst="roundRect">
@@ -6963,7 +6963,7 @@
         <p:spPr>
           <a:xfrm>
             <a:off x="1249680" y="1005840"/>
-            <a:ext cx="10241280" cy="5303520"/>
+            <a:ext cx="10241280" cy="4114800"/>
           </a:xfrm>
           <a:prstGeom prst="roundRect">
             <a:avLst/>
@@ -7010,7 +7010,7 @@
         </p:nvGraphicFramePr>
         <p:xfrm>
           <a:off x="1615441" y="1371600"/>
-          <a:ext cx="9532803" cy="4663440"/>
+          <a:ext cx="9532803" cy="3474720"/>
         </p:xfrm>
         <a:graphic>
           <a:graphicData uri="http://schemas.openxmlformats.org/drawingml/2006/table">
@@ -7069,13 +7069,13 @@
                   </a:extLst>
                 </a:gridCol>
               </a:tblGrid>
-              <a:tr h="1554480">
-                <a:tc>
-                  <a:txBody>
-                    <a:bodyPr/>
-                    <a:lstStyle/>
-                    <a:p>
-                      <a:pPr algn="ctr">
+              <a:tr h="365760">
+                <a:tc>
+                  <a:txBody>
+                    <a:bodyPr/>
+                    <a:lstStyle/>
+                    <a:p>
+                      <a:pPr algn="l">
                         <a:defRPr sz="1600" b="1">
                           <a:solidFill>
                             <a:srgbClr val="FFFFFF"/>
@@ -7098,7 +7098,7 @@
                     <a:bodyPr/>
                     <a:lstStyle/>
                     <a:p>
-                      <a:pPr algn="ctr">
+                      <a:pPr algn="l">
                         <a:defRPr sz="1600" b="1">
                           <a:solidFill>
                             <a:srgbClr val="FFFFFF"/>
@@ -7121,7 +7121,7 @@
                     <a:bodyPr/>
                     <a:lstStyle/>
                     <a:p>
-                      <a:pPr algn="ctr">
+                      <a:pPr algn="l">
                         <a:defRPr sz="1600" b="1">
                           <a:solidFill>
                             <a:srgbClr val="FFFFFF"/>
@@ -7144,7 +7144,7 @@
                     <a:bodyPr/>
                     <a:lstStyle/>
                     <a:p>
-                      <a:pPr algn="ctr">
+                      <a:pPr algn="l">
                         <a:defRPr sz="1600" b="1">
                           <a:solidFill>
                             <a:srgbClr val="FFFFFF"/>
@@ -7167,7 +7167,7 @@
                     <a:bodyPr/>
                     <a:lstStyle/>
                     <a:p>
-                      <a:pPr algn="ctr">
+                      <a:pPr algn="l">
                         <a:defRPr sz="1600" b="1">
                           <a:solidFill>
                             <a:srgbClr val="FFFFFF"/>
@@ -7190,7 +7190,7 @@
                     <a:bodyPr/>
                     <a:lstStyle/>
                     <a:p>
-                      <a:pPr algn="ctr">
+                      <a:pPr algn="l">
                         <a:defRPr sz="1600" b="1">
                           <a:solidFill>
                             <a:srgbClr val="FFFFFF"/>
@@ -7213,7 +7213,7 @@
                     <a:bodyPr/>
                     <a:lstStyle/>
                     <a:p>
-                      <a:pPr algn="ctr">
+                      <a:pPr algn="l">
                         <a:defRPr sz="1600" b="1">
                           <a:solidFill>
                             <a:srgbClr val="FFFFFF"/>
@@ -7585,7 +7585,7 @@
         </p:nvSpPr>
         <p:spPr>
           <a:xfrm>
-            <a:off x="10462443" y="3648456"/>
+            <a:off x="10462443" y="2459736"/>
             <a:ext cx="640080" cy="109728"/>
           </a:xfrm>
           <a:prstGeom prst="roundRect">
@@ -7629,7 +7629,7 @@
         </p:nvSpPr>
         <p:spPr>
           <a:xfrm>
-            <a:off x="10462443" y="3648456"/>
+            <a:off x="10462443" y="2459736"/>
             <a:ext cx="244510" cy="109728"/>
           </a:xfrm>
           <a:prstGeom prst="roundRect">
@@ -7673,7 +7673,7 @@
         </p:nvSpPr>
         <p:spPr>
           <a:xfrm>
-            <a:off x="10462443" y="5202936"/>
+            <a:off x="10462443" y="4014216"/>
             <a:ext cx="640080" cy="109728"/>
           </a:xfrm>
           <a:prstGeom prst="roundRect">
@@ -7717,7 +7717,7 @@
         </p:nvSpPr>
         <p:spPr>
           <a:xfrm>
-            <a:off x="10462443" y="5202936"/>
+            <a:off x="10462443" y="4014216"/>
             <a:ext cx="213018" cy="109728"/>
           </a:xfrm>
           <a:prstGeom prst="roundRect">
@@ -9817,7 +9817,7 @@
         <p:spPr>
           <a:xfrm>
             <a:off x="1249680" y="1005840"/>
-            <a:ext cx="10241280" cy="5303520"/>
+            <a:ext cx="10241280" cy="5336178"/>
           </a:xfrm>
           <a:prstGeom prst="roundRect">
             <a:avLst/>
@@ -9864,7 +9864,7 @@
         </p:nvGraphicFramePr>
         <p:xfrm>
           <a:off x="1615441" y="1371600"/>
-          <a:ext cx="9532803" cy="4663440"/>
+          <a:ext cx="9532803" cy="4696098"/>
         </p:xfrm>
         <a:graphic>
           <a:graphicData uri="http://schemas.openxmlformats.org/drawingml/2006/table">
@@ -9923,13 +9923,13 @@
                   </a:extLst>
                 </a:gridCol>
               </a:tblGrid>
-              <a:tr h="333102">
-                <a:tc>
-                  <a:txBody>
-                    <a:bodyPr/>
-                    <a:lstStyle/>
-                    <a:p>
-                      <a:pPr algn="ctr">
+              <a:tr h="365760">
+                <a:tc>
+                  <a:txBody>
+                    <a:bodyPr/>
+                    <a:lstStyle/>
+                    <a:p>
+                      <a:pPr algn="l">
                         <a:defRPr sz="1600" b="1">
                           <a:solidFill>
                             <a:srgbClr val="FFFFFF"/>
@@ -9952,7 +9952,7 @@
                     <a:bodyPr/>
                     <a:lstStyle/>
                     <a:p>
-                      <a:pPr algn="ctr">
+                      <a:pPr algn="l">
                         <a:defRPr sz="1600" b="1">
                           <a:solidFill>
                             <a:srgbClr val="FFFFFF"/>
@@ -9975,7 +9975,7 @@
                     <a:bodyPr/>
                     <a:lstStyle/>
                     <a:p>
-                      <a:pPr algn="ctr">
+                      <a:pPr algn="l">
                         <a:defRPr sz="1600" b="1">
                           <a:solidFill>
                             <a:srgbClr val="FFFFFF"/>
@@ -9998,7 +9998,7 @@
                     <a:bodyPr/>
                     <a:lstStyle/>
                     <a:p>
-                      <a:pPr algn="ctr">
+                      <a:pPr algn="l">
                         <a:defRPr sz="1600" b="1">
                           <a:solidFill>
                             <a:srgbClr val="FFFFFF"/>
@@ -10021,7 +10021,7 @@
                     <a:bodyPr/>
                     <a:lstStyle/>
                     <a:p>
-                      <a:pPr algn="ctr">
+                      <a:pPr algn="l">
                         <a:defRPr sz="1600" b="1">
                           <a:solidFill>
                             <a:srgbClr val="FFFFFF"/>
@@ -10044,7 +10044,7 @@
                     <a:bodyPr/>
                     <a:lstStyle/>
                     <a:p>
-                      <a:pPr algn="ctr">
+                      <a:pPr algn="l">
                         <a:defRPr sz="1600" b="1">
                           <a:solidFill>
                             <a:srgbClr val="FFFFFF"/>
@@ -10067,7 +10067,7 @@
                     <a:bodyPr/>
                     <a:lstStyle/>
                     <a:p>
-                      <a:pPr algn="ctr">
+                      <a:pPr algn="l">
                         <a:defRPr sz="1600" b="1">
                           <a:solidFill>
                             <a:srgbClr val="FFFFFF"/>
@@ -12287,7 +12287,7 @@
         </p:nvSpPr>
         <p:spPr>
           <a:xfrm>
-            <a:off x="10462443" y="1816389"/>
+            <a:off x="10462443" y="1849047"/>
             <a:ext cx="640080" cy="109728"/>
           </a:xfrm>
           <a:prstGeom prst="roundRect">
@@ -12331,7 +12331,7 @@
         </p:nvSpPr>
         <p:spPr>
           <a:xfrm>
-            <a:off x="10462443" y="1816389"/>
+            <a:off x="10462443" y="1849047"/>
             <a:ext cx="241566" cy="109728"/>
           </a:xfrm>
           <a:prstGeom prst="roundRect">
@@ -12375,7 +12375,7 @@
         </p:nvSpPr>
         <p:spPr>
           <a:xfrm>
-            <a:off x="10462443" y="2149491"/>
+            <a:off x="10462443" y="2182149"/>
             <a:ext cx="640080" cy="109728"/>
           </a:xfrm>
           <a:prstGeom prst="roundRect">
@@ -12419,7 +12419,7 @@
         </p:nvSpPr>
         <p:spPr>
           <a:xfrm>
-            <a:off x="10462443" y="2149491"/>
+            <a:off x="10462443" y="2182149"/>
             <a:ext cx="180438" cy="109728"/>
           </a:xfrm>
           <a:prstGeom prst="roundRect">
@@ -12463,7 +12463,7 @@
         </p:nvSpPr>
         <p:spPr>
           <a:xfrm>
-            <a:off x="10462443" y="2482593"/>
+            <a:off x="10462443" y="2515251"/>
             <a:ext cx="640080" cy="109728"/>
           </a:xfrm>
           <a:prstGeom prst="roundRect">
@@ -12507,7 +12507,7 @@
         </p:nvSpPr>
         <p:spPr>
           <a:xfrm>
-            <a:off x="10462444" y="2482593"/>
+            <a:off x="10462444" y="2515251"/>
             <a:ext cx="235869" cy="109728"/>
           </a:xfrm>
           <a:prstGeom prst="roundRect">
@@ -12551,7 +12551,7 @@
         </p:nvSpPr>
         <p:spPr>
           <a:xfrm>
-            <a:off x="10462443" y="2815695"/>
+            <a:off x="10462443" y="2848353"/>
             <a:ext cx="640080" cy="109728"/>
           </a:xfrm>
           <a:prstGeom prst="roundRect">
@@ -12595,7 +12595,7 @@
         </p:nvSpPr>
         <p:spPr>
           <a:xfrm>
-            <a:off x="10462443" y="2815695"/>
+            <a:off x="10462443" y="2848353"/>
             <a:ext cx="193112" cy="109728"/>
           </a:xfrm>
           <a:prstGeom prst="roundRect">
@@ -12639,7 +12639,7 @@
         </p:nvSpPr>
         <p:spPr>
           <a:xfrm>
-            <a:off x="10462443" y="3148797"/>
+            <a:off x="10462443" y="3181455"/>
             <a:ext cx="640080" cy="109728"/>
           </a:xfrm>
           <a:prstGeom prst="roundRect">
@@ -12683,7 +12683,7 @@
         </p:nvSpPr>
         <p:spPr>
           <a:xfrm>
-            <a:off x="10462443" y="3148797"/>
+            <a:off x="10462443" y="3181455"/>
             <a:ext cx="261152" cy="109728"/>
           </a:xfrm>
           <a:prstGeom prst="roundRect">
@@ -12727,7 +12727,7 @@
         </p:nvSpPr>
         <p:spPr>
           <a:xfrm>
-            <a:off x="10462443" y="3481899"/>
+            <a:off x="10462443" y="3514557"/>
             <a:ext cx="640080" cy="109728"/>
           </a:xfrm>
           <a:prstGeom prst="roundRect">
@@ -12771,7 +12771,7 @@
         </p:nvSpPr>
         <p:spPr>
           <a:xfrm>
-            <a:off x="10462443" y="3481899"/>
+            <a:off x="10462443" y="3514557"/>
             <a:ext cx="230108" cy="109728"/>
           </a:xfrm>
           <a:prstGeom prst="roundRect">
@@ -12815,7 +12815,7 @@
         </p:nvSpPr>
         <p:spPr>
           <a:xfrm>
-            <a:off x="10462443" y="3815001"/>
+            <a:off x="10462443" y="3847659"/>
             <a:ext cx="640080" cy="109728"/>
           </a:xfrm>
           <a:prstGeom prst="roundRect">
@@ -12859,7 +12859,7 @@
         </p:nvSpPr>
         <p:spPr>
           <a:xfrm>
-            <a:off x="10462443" y="3815001"/>
+            <a:off x="10462443" y="3847659"/>
             <a:ext cx="194584" cy="109728"/>
           </a:xfrm>
           <a:prstGeom prst="roundRect">
@@ -12903,7 +12903,7 @@
         </p:nvSpPr>
         <p:spPr>
           <a:xfrm>
-            <a:off x="10462443" y="4148103"/>
+            <a:off x="10462443" y="4180761"/>
             <a:ext cx="640080" cy="109728"/>
           </a:xfrm>
           <a:prstGeom prst="roundRect">
@@ -12947,7 +12947,7 @@
         </p:nvSpPr>
         <p:spPr>
           <a:xfrm>
-            <a:off x="10462443" y="4148103"/>
+            <a:off x="10462443" y="4180761"/>
             <a:ext cx="148498" cy="109728"/>
           </a:xfrm>
           <a:prstGeom prst="roundRect">
@@ -12991,7 +12991,7 @@
         </p:nvSpPr>
         <p:spPr>
           <a:xfrm>
-            <a:off x="10462443" y="4481205"/>
+            <a:off x="10462443" y="4513863"/>
             <a:ext cx="640080" cy="109728"/>
           </a:xfrm>
           <a:prstGeom prst="roundRect">
@@ -13035,7 +13035,7 @@
         </p:nvSpPr>
         <p:spPr>
           <a:xfrm>
-            <a:off x="10462443" y="4481205"/>
+            <a:off x="10462443" y="4513863"/>
             <a:ext cx="196184" cy="109728"/>
           </a:xfrm>
           <a:prstGeom prst="roundRect">
@@ -13079,7 +13079,7 @@
         </p:nvSpPr>
         <p:spPr>
           <a:xfrm>
-            <a:off x="10462443" y="4814307"/>
+            <a:off x="10462443" y="4846965"/>
             <a:ext cx="640080" cy="109728"/>
           </a:xfrm>
           <a:prstGeom prst="roundRect">
@@ -13123,7 +13123,7 @@
         </p:nvSpPr>
         <p:spPr>
           <a:xfrm>
-            <a:off x="10462443" y="4814307"/>
+            <a:off x="10462443" y="4846965"/>
             <a:ext cx="247198" cy="109728"/>
           </a:xfrm>
           <a:prstGeom prst="roundRect">
@@ -13167,7 +13167,7 @@
         </p:nvSpPr>
         <p:spPr>
           <a:xfrm>
-            <a:off x="10462443" y="5147409"/>
+            <a:off x="10462443" y="5180067"/>
             <a:ext cx="640080" cy="109728"/>
           </a:xfrm>
           <a:prstGeom prst="roundRect">
@@ -13211,7 +13211,7 @@
         </p:nvSpPr>
         <p:spPr>
           <a:xfrm>
-            <a:off x="10462444" y="5147409"/>
+            <a:off x="10462444" y="5180067"/>
             <a:ext cx="153299" cy="109728"/>
           </a:xfrm>
           <a:prstGeom prst="roundRect">
@@ -13255,7 +13255,7 @@
         </p:nvSpPr>
         <p:spPr>
           <a:xfrm>
-            <a:off x="10462443" y="5480511"/>
+            <a:off x="10462443" y="5513169"/>
             <a:ext cx="640080" cy="109728"/>
           </a:xfrm>
           <a:prstGeom prst="roundRect">
@@ -13299,7 +13299,7 @@
         </p:nvSpPr>
         <p:spPr>
           <a:xfrm>
-            <a:off x="10462443" y="5480511"/>
+            <a:off x="10462443" y="5513169"/>
             <a:ext cx="197272" cy="109728"/>
           </a:xfrm>
           <a:prstGeom prst="roundRect">
@@ -13343,7 +13343,7 @@
         </p:nvSpPr>
         <p:spPr>
           <a:xfrm>
-            <a:off x="10462443" y="5813619"/>
+            <a:off x="10462443" y="5846277"/>
             <a:ext cx="640080" cy="109728"/>
           </a:xfrm>
           <a:prstGeom prst="roundRect">
@@ -13387,7 +13387,7 @@
         </p:nvSpPr>
         <p:spPr>
           <a:xfrm>
-            <a:off x="10462443" y="5813619"/>
+            <a:off x="10462443" y="5846277"/>
             <a:ext cx="274722" cy="109728"/>
           </a:xfrm>
           <a:prstGeom prst="roundRect">
@@ -13609,7 +13609,7 @@
         <p:spPr>
           <a:xfrm>
             <a:off x="1249680" y="1005840"/>
-            <a:ext cx="10241280" cy="5303520"/>
+            <a:ext cx="10241280" cy="5086350"/>
           </a:xfrm>
           <a:prstGeom prst="roundRect">
             <a:avLst/>
@@ -13656,7 +13656,7 @@
         </p:nvGraphicFramePr>
         <p:xfrm>
           <a:off x="1615441" y="1371600"/>
-          <a:ext cx="9532803" cy="4663440"/>
+          <a:ext cx="9532803" cy="4446270"/>
         </p:xfrm>
         <a:graphic>
           <a:graphicData uri="http://schemas.openxmlformats.org/drawingml/2006/table">
@@ -13715,13 +13715,13 @@
                   </a:extLst>
                 </a:gridCol>
               </a:tblGrid>
-              <a:tr h="582930">
-                <a:tc>
-                  <a:txBody>
-                    <a:bodyPr/>
-                    <a:lstStyle/>
-                    <a:p>
-                      <a:pPr algn="ctr">
+              <a:tr h="365760">
+                <a:tc>
+                  <a:txBody>
+                    <a:bodyPr/>
+                    <a:lstStyle/>
+                    <a:p>
+                      <a:pPr algn="l">
                         <a:defRPr sz="1600" b="1">
                           <a:solidFill>
                             <a:srgbClr val="FFFFFF"/>
@@ -13744,7 +13744,7 @@
                     <a:bodyPr/>
                     <a:lstStyle/>
                     <a:p>
-                      <a:pPr algn="ctr">
+                      <a:pPr algn="l">
                         <a:defRPr sz="1600" b="1">
                           <a:solidFill>
                             <a:srgbClr val="FFFFFF"/>
@@ -13767,7 +13767,7 @@
                     <a:bodyPr/>
                     <a:lstStyle/>
                     <a:p>
-                      <a:pPr algn="ctr">
+                      <a:pPr algn="l">
                         <a:defRPr sz="1600" b="1">
                           <a:solidFill>
                             <a:srgbClr val="FFFFFF"/>
@@ -13790,7 +13790,7 @@
                     <a:bodyPr/>
                     <a:lstStyle/>
                     <a:p>
-                      <a:pPr algn="ctr">
+                      <a:pPr algn="l">
                         <a:defRPr sz="1600" b="1">
                           <a:solidFill>
                             <a:srgbClr val="FFFFFF"/>
@@ -13813,7 +13813,7 @@
                     <a:bodyPr/>
                     <a:lstStyle/>
                     <a:p>
-                      <a:pPr algn="ctr">
+                      <a:pPr algn="l">
                         <a:defRPr sz="1600" b="1">
                           <a:solidFill>
                             <a:srgbClr val="FFFFFF"/>
@@ -13836,7 +13836,7 @@
                     <a:bodyPr/>
                     <a:lstStyle/>
                     <a:p>
-                      <a:pPr algn="ctr">
+                      <a:pPr algn="l">
                         <a:defRPr sz="1600" b="1">
                           <a:solidFill>
                             <a:srgbClr val="FFFFFF"/>
@@ -13859,7 +13859,7 @@
                     <a:bodyPr/>
                     <a:lstStyle/>
                     <a:p>
-                      <a:pPr algn="ctr">
+                      <a:pPr algn="l">
                         <a:defRPr sz="1600" b="1">
                           <a:solidFill>
                             <a:srgbClr val="FFFFFF"/>
@@ -15071,7 +15071,7 @@
         </p:nvSpPr>
         <p:spPr>
           <a:xfrm>
-            <a:off x="10462443" y="2191131"/>
+            <a:off x="10462443" y="1973961"/>
             <a:ext cx="640080" cy="109728"/>
           </a:xfrm>
           <a:prstGeom prst="roundRect">
@@ -15115,7 +15115,7 @@
         </p:nvSpPr>
         <p:spPr>
           <a:xfrm>
-            <a:off x="10462444" y="2191131"/>
+            <a:off x="10462444" y="1973961"/>
             <a:ext cx="191831" cy="109728"/>
           </a:xfrm>
           <a:prstGeom prst="roundRect">
@@ -15159,7 +15159,7 @@
         </p:nvSpPr>
         <p:spPr>
           <a:xfrm>
-            <a:off x="10462443" y="2774061"/>
+            <a:off x="10462443" y="2556891"/>
             <a:ext cx="640080" cy="109728"/>
           </a:xfrm>
           <a:prstGeom prst="roundRect">
@@ -15203,7 +15203,7 @@
         </p:nvSpPr>
         <p:spPr>
           <a:xfrm>
-            <a:off x="10462443" y="2774061"/>
+            <a:off x="10462443" y="2556891"/>
             <a:ext cx="214682" cy="109728"/>
           </a:xfrm>
           <a:prstGeom prst="roundRect">
@@ -15247,7 +15247,7 @@
         </p:nvSpPr>
         <p:spPr>
           <a:xfrm>
-            <a:off x="10462443" y="3356991"/>
+            <a:off x="10462443" y="3139821"/>
             <a:ext cx="640080" cy="109728"/>
           </a:xfrm>
           <a:prstGeom prst="roundRect">
@@ -15291,7 +15291,7 @@
         </p:nvSpPr>
         <p:spPr>
           <a:xfrm>
-            <a:off x="10462444" y="3356991"/>
+            <a:off x="10462444" y="3139821"/>
             <a:ext cx="250911" cy="109728"/>
           </a:xfrm>
           <a:prstGeom prst="roundRect">
@@ -15335,7 +15335,7 @@
         </p:nvSpPr>
         <p:spPr>
           <a:xfrm>
-            <a:off x="10462443" y="3939921"/>
+            <a:off x="10462443" y="3722751"/>
             <a:ext cx="640080" cy="109728"/>
           </a:xfrm>
           <a:prstGeom prst="roundRect">
@@ -15379,7 +15379,7 @@
         </p:nvSpPr>
         <p:spPr>
           <a:xfrm>
-            <a:off x="10462443" y="3939921"/>
+            <a:off x="10462443" y="3722751"/>
             <a:ext cx="196440" cy="109728"/>
           </a:xfrm>
           <a:prstGeom prst="roundRect">
@@ -15423,7 +15423,7 @@
         </p:nvSpPr>
         <p:spPr>
           <a:xfrm>
-            <a:off x="10462443" y="4522851"/>
+            <a:off x="10462443" y="4305681"/>
             <a:ext cx="640080" cy="109728"/>
           </a:xfrm>
           <a:prstGeom prst="roundRect">
@@ -15467,7 +15467,7 @@
         </p:nvSpPr>
         <p:spPr>
           <a:xfrm>
-            <a:off x="10462444" y="4522851"/>
+            <a:off x="10462444" y="4305681"/>
             <a:ext cx="216027" cy="109728"/>
           </a:xfrm>
           <a:prstGeom prst="roundRect">
@@ -15511,7 +15511,7 @@
         </p:nvSpPr>
         <p:spPr>
           <a:xfrm>
-            <a:off x="10462443" y="5105781"/>
+            <a:off x="10462443" y="4888611"/>
             <a:ext cx="640080" cy="109728"/>
           </a:xfrm>
           <a:prstGeom prst="roundRect">
@@ -15555,7 +15555,7 @@
         </p:nvSpPr>
         <p:spPr>
           <a:xfrm>
-            <a:off x="10462443" y="5105781"/>
+            <a:off x="10462443" y="4888611"/>
             <a:ext cx="294500" cy="109728"/>
           </a:xfrm>
           <a:prstGeom prst="roundRect">
@@ -15599,7 +15599,7 @@
         </p:nvSpPr>
         <p:spPr>
           <a:xfrm>
-            <a:off x="10462443" y="5688711"/>
+            <a:off x="10462443" y="5471541"/>
             <a:ext cx="640080" cy="109728"/>
           </a:xfrm>
           <a:prstGeom prst="roundRect">
@@ -15643,7 +15643,7 @@
         </p:nvSpPr>
         <p:spPr>
           <a:xfrm>
-            <a:off x="10462443" y="5688711"/>
+            <a:off x="10462443" y="5471541"/>
             <a:ext cx="215706" cy="109728"/>
           </a:xfrm>
           <a:prstGeom prst="roundRect">
@@ -15865,7 +15865,7 @@
         <p:spPr>
           <a:xfrm>
             <a:off x="1249680" y="1005840"/>
-            <a:ext cx="10241280" cy="5303520"/>
+            <a:ext cx="10241280" cy="5151120"/>
           </a:xfrm>
           <a:prstGeom prst="roundRect">
             <a:avLst/>
@@ -15912,7 +15912,7 @@
         </p:nvGraphicFramePr>
         <p:xfrm>
           <a:off x="1615441" y="1371600"/>
-          <a:ext cx="9532803" cy="4663440"/>
+          <a:ext cx="9532803" cy="4511040"/>
         </p:xfrm>
         <a:graphic>
           <a:graphicData uri="http://schemas.openxmlformats.org/drawingml/2006/table">
@@ -15971,13 +15971,13 @@
                   </a:extLst>
                 </a:gridCol>
               </a:tblGrid>
-              <a:tr h="518160">
-                <a:tc>
-                  <a:txBody>
-                    <a:bodyPr/>
-                    <a:lstStyle/>
-                    <a:p>
-                      <a:pPr algn="ctr">
+              <a:tr h="365760">
+                <a:tc>
+                  <a:txBody>
+                    <a:bodyPr/>
+                    <a:lstStyle/>
+                    <a:p>
+                      <a:pPr algn="l">
                         <a:defRPr sz="1600" b="1">
                           <a:solidFill>
                             <a:srgbClr val="FFFFFF"/>
@@ -16000,7 +16000,7 @@
                     <a:bodyPr/>
                     <a:lstStyle/>
                     <a:p>
-                      <a:pPr algn="ctr">
+                      <a:pPr algn="l">
                         <a:defRPr sz="1600" b="1">
                           <a:solidFill>
                             <a:srgbClr val="FFFFFF"/>
@@ -16023,7 +16023,7 @@
                     <a:bodyPr/>
                     <a:lstStyle/>
                     <a:p>
-                      <a:pPr algn="ctr">
+                      <a:pPr algn="l">
                         <a:defRPr sz="1600" b="1">
                           <a:solidFill>
                             <a:srgbClr val="FFFFFF"/>
@@ -16046,7 +16046,7 @@
                     <a:bodyPr/>
                     <a:lstStyle/>
                     <a:p>
-                      <a:pPr algn="ctr">
+                      <a:pPr algn="l">
                         <a:defRPr sz="1600" b="1">
                           <a:solidFill>
                             <a:srgbClr val="FFFFFF"/>
@@ -16069,7 +16069,7 @@
                     <a:bodyPr/>
                     <a:lstStyle/>
                     <a:p>
-                      <a:pPr algn="ctr">
+                      <a:pPr algn="l">
                         <a:defRPr sz="1600" b="1">
                           <a:solidFill>
                             <a:srgbClr val="FFFFFF"/>
@@ -16092,7 +16092,7 @@
                     <a:bodyPr/>
                     <a:lstStyle/>
                     <a:p>
-                      <a:pPr algn="ctr">
+                      <a:pPr algn="l">
                         <a:defRPr sz="1600" b="1">
                           <a:solidFill>
                             <a:srgbClr val="FFFFFF"/>
@@ -16115,7 +16115,7 @@
                     <a:bodyPr/>
                     <a:lstStyle/>
                     <a:p>
-                      <a:pPr algn="ctr">
+                      <a:pPr algn="l">
                         <a:defRPr sz="1600" b="1">
                           <a:solidFill>
                             <a:srgbClr val="FFFFFF"/>
@@ -17495,7 +17495,7 @@
         </p:nvSpPr>
         <p:spPr>
           <a:xfrm>
-            <a:off x="10462443" y="2093976"/>
+            <a:off x="10462443" y="1941576"/>
             <a:ext cx="640080" cy="109728"/>
           </a:xfrm>
           <a:prstGeom prst="roundRect">
@@ -17539,7 +17539,7 @@
         </p:nvSpPr>
         <p:spPr>
           <a:xfrm>
-            <a:off x="10462443" y="2093976"/>
+            <a:off x="10462443" y="1941576"/>
             <a:ext cx="195480" cy="109728"/>
           </a:xfrm>
           <a:prstGeom prst="roundRect">
@@ -17583,7 +17583,7 @@
         </p:nvSpPr>
         <p:spPr>
           <a:xfrm>
-            <a:off x="10462443" y="2612136"/>
+            <a:off x="10462443" y="2459736"/>
             <a:ext cx="640080" cy="109728"/>
           </a:xfrm>
           <a:prstGeom prst="roundRect">
@@ -17627,7 +17627,7 @@
         </p:nvSpPr>
         <p:spPr>
           <a:xfrm>
-            <a:off x="10462444" y="2612136"/>
+            <a:off x="10462444" y="2459736"/>
             <a:ext cx="186199" cy="109728"/>
           </a:xfrm>
           <a:prstGeom prst="roundRect">
@@ -17671,7 +17671,7 @@
         </p:nvSpPr>
         <p:spPr>
           <a:xfrm>
-            <a:off x="10462443" y="3130296"/>
+            <a:off x="10462443" y="2977896"/>
             <a:ext cx="640080" cy="109728"/>
           </a:xfrm>
           <a:prstGeom prst="roundRect">
@@ -17715,7 +17715,7 @@
         </p:nvSpPr>
         <p:spPr>
           <a:xfrm>
-            <a:off x="10462444" y="3130296"/>
+            <a:off x="10462444" y="2977896"/>
             <a:ext cx="191639" cy="109728"/>
           </a:xfrm>
           <a:prstGeom prst="roundRect">
@@ -17759,7 +17759,7 @@
         </p:nvSpPr>
         <p:spPr>
           <a:xfrm>
-            <a:off x="10462443" y="3648456"/>
+            <a:off x="10462443" y="3496056"/>
             <a:ext cx="640080" cy="109728"/>
           </a:xfrm>
           <a:prstGeom prst="roundRect">
@@ -17803,7 +17803,7 @@
         </p:nvSpPr>
         <p:spPr>
           <a:xfrm>
-            <a:off x="10462443" y="3648456"/>
+            <a:off x="10462443" y="3496056"/>
             <a:ext cx="213210" cy="109728"/>
           </a:xfrm>
           <a:prstGeom prst="roundRect">
@@ -17847,7 +17847,7 @@
         </p:nvSpPr>
         <p:spPr>
           <a:xfrm>
-            <a:off x="10462443" y="4166616"/>
+            <a:off x="10462443" y="4014216"/>
             <a:ext cx="640080" cy="109728"/>
           </a:xfrm>
           <a:prstGeom prst="roundRect">
@@ -17891,7 +17891,7 @@
         </p:nvSpPr>
         <p:spPr>
           <a:xfrm>
-            <a:off x="10462443" y="4166616"/>
+            <a:off x="10462443" y="4014216"/>
             <a:ext cx="240478" cy="109728"/>
           </a:xfrm>
           <a:prstGeom prst="roundRect">
@@ -17935,7 +17935,7 @@
         </p:nvSpPr>
         <p:spPr>
           <a:xfrm>
-            <a:off x="10462443" y="4684776"/>
+            <a:off x="10462443" y="4532376"/>
             <a:ext cx="640080" cy="109728"/>
           </a:xfrm>
           <a:prstGeom prst="roundRect">
@@ -17979,7 +17979,7 @@
         </p:nvSpPr>
         <p:spPr>
           <a:xfrm>
-            <a:off x="10462443" y="4684776"/>
+            <a:off x="10462443" y="4532376"/>
             <a:ext cx="258656" cy="109728"/>
           </a:xfrm>
           <a:prstGeom prst="roundRect">
@@ -18023,7 +18023,7 @@
         </p:nvSpPr>
         <p:spPr>
           <a:xfrm>
-            <a:off x="10462443" y="5202936"/>
+            <a:off x="10462443" y="5050536"/>
             <a:ext cx="640080" cy="109728"/>
           </a:xfrm>
           <a:prstGeom prst="roundRect">
@@ -18067,7 +18067,7 @@
         </p:nvSpPr>
         <p:spPr>
           <a:xfrm>
-            <a:off x="10462444" y="5202936"/>
+            <a:off x="10462444" y="5050536"/>
             <a:ext cx="297765" cy="109728"/>
           </a:xfrm>
           <a:prstGeom prst="roundRect">
@@ -18111,7 +18111,7 @@
         </p:nvSpPr>
         <p:spPr>
           <a:xfrm>
-            <a:off x="10462443" y="5721096"/>
+            <a:off x="10462443" y="5568696"/>
             <a:ext cx="640080" cy="109728"/>
           </a:xfrm>
           <a:prstGeom prst="roundRect">
@@ -18155,7 +18155,7 @@
         </p:nvSpPr>
         <p:spPr>
           <a:xfrm>
-            <a:off x="10462444" y="5721096"/>
+            <a:off x="10462444" y="5568696"/>
             <a:ext cx="220699" cy="109728"/>
           </a:xfrm>
           <a:prstGeom prst="roundRect">
@@ -18377,7 +18377,7 @@
         <p:spPr>
           <a:xfrm>
             <a:off x="1249680" y="1005840"/>
-            <a:ext cx="10241280" cy="5303520"/>
+            <a:ext cx="10241280" cy="4114800"/>
           </a:xfrm>
           <a:prstGeom prst="roundRect">
             <a:avLst/>
@@ -18424,7 +18424,7 @@
         </p:nvGraphicFramePr>
         <p:xfrm>
           <a:off x="1615441" y="1371600"/>
-          <a:ext cx="9532803" cy="4663440"/>
+          <a:ext cx="9532803" cy="3474720"/>
         </p:xfrm>
         <a:graphic>
           <a:graphicData uri="http://schemas.openxmlformats.org/drawingml/2006/table">
@@ -18483,13 +18483,13 @@
                   </a:extLst>
                 </a:gridCol>
               </a:tblGrid>
-              <a:tr h="1554480">
-                <a:tc>
-                  <a:txBody>
-                    <a:bodyPr/>
-                    <a:lstStyle/>
-                    <a:p>
-                      <a:pPr algn="ctr">
+              <a:tr h="365760">
+                <a:tc>
+                  <a:txBody>
+                    <a:bodyPr/>
+                    <a:lstStyle/>
+                    <a:p>
+                      <a:pPr algn="l">
                         <a:defRPr sz="1600" b="1">
                           <a:solidFill>
                             <a:srgbClr val="FFFFFF"/>
@@ -18512,7 +18512,7 @@
                     <a:bodyPr/>
                     <a:lstStyle/>
                     <a:p>
-                      <a:pPr algn="ctr">
+                      <a:pPr algn="l">
                         <a:defRPr sz="1600" b="1">
                           <a:solidFill>
                             <a:srgbClr val="FFFFFF"/>
@@ -18535,7 +18535,7 @@
                     <a:bodyPr/>
                     <a:lstStyle/>
                     <a:p>
-                      <a:pPr algn="ctr">
+                      <a:pPr algn="l">
                         <a:defRPr sz="1600" b="1">
                           <a:solidFill>
                             <a:srgbClr val="FFFFFF"/>
@@ -18558,7 +18558,7 @@
                     <a:bodyPr/>
                     <a:lstStyle/>
                     <a:p>
-                      <a:pPr algn="ctr">
+                      <a:pPr algn="l">
                         <a:defRPr sz="1600" b="1">
                           <a:solidFill>
                             <a:srgbClr val="FFFFFF"/>
@@ -18581,7 +18581,7 @@
                     <a:bodyPr/>
                     <a:lstStyle/>
                     <a:p>
-                      <a:pPr algn="ctr">
+                      <a:pPr algn="l">
                         <a:defRPr sz="1600" b="1">
                           <a:solidFill>
                             <a:srgbClr val="FFFFFF"/>
@@ -18604,7 +18604,7 @@
                     <a:bodyPr/>
                     <a:lstStyle/>
                     <a:p>
-                      <a:pPr algn="ctr">
+                      <a:pPr algn="l">
                         <a:defRPr sz="1600" b="1">
                           <a:solidFill>
                             <a:srgbClr val="FFFFFF"/>
@@ -18627,7 +18627,7 @@
                     <a:bodyPr/>
                     <a:lstStyle/>
                     <a:p>
-                      <a:pPr algn="ctr">
+                      <a:pPr algn="l">
                         <a:defRPr sz="1600" b="1">
                           <a:solidFill>
                             <a:srgbClr val="FFFFFF"/>
@@ -18999,7 +18999,7 @@
         </p:nvSpPr>
         <p:spPr>
           <a:xfrm>
-            <a:off x="10462443" y="3648456"/>
+            <a:off x="10462443" y="2459736"/>
             <a:ext cx="640080" cy="109728"/>
           </a:xfrm>
           <a:prstGeom prst="roundRect">
@@ -19043,7 +19043,7 @@
         </p:nvSpPr>
         <p:spPr>
           <a:xfrm>
-            <a:off x="10462444" y="3648456"/>
+            <a:off x="10462444" y="2459736"/>
             <a:ext cx="223387" cy="109728"/>
           </a:xfrm>
           <a:prstGeom prst="roundRect">
@@ -19087,7 +19087,7 @@
         </p:nvSpPr>
         <p:spPr>
           <a:xfrm>
-            <a:off x="10462443" y="5202936"/>
+            <a:off x="10462443" y="4014216"/>
             <a:ext cx="640080" cy="109728"/>
           </a:xfrm>
           <a:prstGeom prst="roundRect">
@@ -19131,7 +19131,7 @@
         </p:nvSpPr>
         <p:spPr>
           <a:xfrm>
-            <a:off x="10462443" y="5202936"/>
+            <a:off x="10462443" y="4014216"/>
             <a:ext cx="210906" cy="109728"/>
           </a:xfrm>
           <a:prstGeom prst="roundRect">
@@ -19566,7 +19566,7 @@
         <p:spPr>
           <a:xfrm>
             <a:off x="1249680" y="1005840"/>
-            <a:ext cx="10241280" cy="5303520"/>
+            <a:ext cx="10241280" cy="5336178"/>
           </a:xfrm>
           <a:prstGeom prst="roundRect">
             <a:avLst/>
@@ -19613,7 +19613,7 @@
         </p:nvGraphicFramePr>
         <p:xfrm>
           <a:off x="1615441" y="1371600"/>
-          <a:ext cx="9532803" cy="4663440"/>
+          <a:ext cx="9532803" cy="4696098"/>
         </p:xfrm>
         <a:graphic>
           <a:graphicData uri="http://schemas.openxmlformats.org/drawingml/2006/table">
@@ -19672,13 +19672,13 @@
                   </a:extLst>
                 </a:gridCol>
               </a:tblGrid>
-              <a:tr h="333102">
-                <a:tc>
-                  <a:txBody>
-                    <a:bodyPr/>
-                    <a:lstStyle/>
-                    <a:p>
-                      <a:pPr algn="ctr">
+              <a:tr h="365760">
+                <a:tc>
+                  <a:txBody>
+                    <a:bodyPr/>
+                    <a:lstStyle/>
+                    <a:p>
+                      <a:pPr algn="l">
                         <a:defRPr sz="1600" b="1">
                           <a:solidFill>
                             <a:srgbClr val="FFFFFF"/>
@@ -19701,7 +19701,7 @@
                     <a:bodyPr/>
                     <a:lstStyle/>
                     <a:p>
-                      <a:pPr algn="ctr">
+                      <a:pPr algn="l">
                         <a:defRPr sz="1600" b="1">
                           <a:solidFill>
                             <a:srgbClr val="FFFFFF"/>
@@ -19724,7 +19724,7 @@
                     <a:bodyPr/>
                     <a:lstStyle/>
                     <a:p>
-                      <a:pPr algn="ctr">
+                      <a:pPr algn="l">
                         <a:defRPr sz="1600" b="1">
                           <a:solidFill>
                             <a:srgbClr val="FFFFFF"/>
@@ -19747,7 +19747,7 @@
                     <a:bodyPr/>
                     <a:lstStyle/>
                     <a:p>
-                      <a:pPr algn="ctr">
+                      <a:pPr algn="l">
                         <a:defRPr sz="1600" b="1">
                           <a:solidFill>
                             <a:srgbClr val="FFFFFF"/>
@@ -19770,7 +19770,7 @@
                     <a:bodyPr/>
                     <a:lstStyle/>
                     <a:p>
-                      <a:pPr algn="ctr">
+                      <a:pPr algn="l">
                         <a:defRPr sz="1600" b="1">
                           <a:solidFill>
                             <a:srgbClr val="FFFFFF"/>
@@ -19793,7 +19793,7 @@
                     <a:bodyPr/>
                     <a:lstStyle/>
                     <a:p>
-                      <a:pPr algn="ctr">
+                      <a:pPr algn="l">
                         <a:defRPr sz="1600" b="1">
                           <a:solidFill>
                             <a:srgbClr val="FFFFFF"/>
@@ -19816,7 +19816,7 @@
                     <a:bodyPr/>
                     <a:lstStyle/>
                     <a:p>
-                      <a:pPr algn="ctr">
+                      <a:pPr algn="l">
                         <a:defRPr sz="1600" b="1">
                           <a:solidFill>
                             <a:srgbClr val="FFFFFF"/>
@@ -22036,7 +22036,7 @@
         </p:nvSpPr>
         <p:spPr>
           <a:xfrm>
-            <a:off x="10462443" y="1816389"/>
+            <a:off x="10462443" y="1849047"/>
             <a:ext cx="640080" cy="109728"/>
           </a:xfrm>
           <a:prstGeom prst="roundRect">
@@ -22080,7 +22080,7 @@
         </p:nvSpPr>
         <p:spPr>
           <a:xfrm>
-            <a:off x="10462443" y="1816389"/>
+            <a:off x="10462443" y="1849047"/>
             <a:ext cx="261984" cy="109728"/>
           </a:xfrm>
           <a:prstGeom prst="roundRect">
@@ -22124,7 +22124,7 @@
         </p:nvSpPr>
         <p:spPr>
           <a:xfrm>
-            <a:off x="10462443" y="2149491"/>
+            <a:off x="10462443" y="2182149"/>
             <a:ext cx="640080" cy="109728"/>
           </a:xfrm>
           <a:prstGeom prst="roundRect">
@@ -22168,7 +22168,7 @@
         </p:nvSpPr>
         <p:spPr>
           <a:xfrm>
-            <a:off x="10462443" y="2149491"/>
+            <a:off x="10462443" y="2182149"/>
             <a:ext cx="199832" cy="109728"/>
           </a:xfrm>
           <a:prstGeom prst="roundRect">
@@ -22212,7 +22212,7 @@
         </p:nvSpPr>
         <p:spPr>
           <a:xfrm>
-            <a:off x="10462443" y="2482593"/>
+            <a:off x="10462443" y="2515251"/>
             <a:ext cx="640080" cy="109728"/>
           </a:xfrm>
           <a:prstGeom prst="roundRect">
@@ -22256,7 +22256,7 @@
         </p:nvSpPr>
         <p:spPr>
           <a:xfrm>
-            <a:off x="10462444" y="2482593"/>
+            <a:off x="10462444" y="2515251"/>
             <a:ext cx="281443" cy="109728"/>
           </a:xfrm>
           <a:prstGeom prst="roundRect">
@@ -22300,7 +22300,7 @@
         </p:nvSpPr>
         <p:spPr>
           <a:xfrm>
-            <a:off x="10462443" y="2815695"/>
+            <a:off x="10462443" y="2848353"/>
             <a:ext cx="640080" cy="109728"/>
           </a:xfrm>
           <a:prstGeom prst="roundRect">
@@ -22344,7 +22344,7 @@
         </p:nvSpPr>
         <p:spPr>
           <a:xfrm>
-            <a:off x="10462443" y="2815695"/>
+            <a:off x="10462443" y="2848353"/>
             <a:ext cx="162644" cy="109728"/>
           </a:xfrm>
           <a:prstGeom prst="roundRect">
@@ -22388,7 +22388,7 @@
         </p:nvSpPr>
         <p:spPr>
           <a:xfrm>
-            <a:off x="10462443" y="3148797"/>
+            <a:off x="10462443" y="3181455"/>
             <a:ext cx="640080" cy="109728"/>
           </a:xfrm>
           <a:prstGeom prst="roundRect">
@@ -22432,7 +22432,7 @@
         </p:nvSpPr>
         <p:spPr>
           <a:xfrm>
-            <a:off x="10462443" y="3148797"/>
+            <a:off x="10462443" y="3181455"/>
             <a:ext cx="227804" cy="109728"/>
           </a:xfrm>
           <a:prstGeom prst="roundRect">
@@ -22476,7 +22476,7 @@
         </p:nvSpPr>
         <p:spPr>
           <a:xfrm>
-            <a:off x="10462443" y="3481899"/>
+            <a:off x="10462443" y="3514557"/>
             <a:ext cx="640080" cy="109728"/>
           </a:xfrm>
           <a:prstGeom prst="roundRect">
@@ -22520,7 +22520,7 @@
         </p:nvSpPr>
         <p:spPr>
           <a:xfrm>
-            <a:off x="10462444" y="3481899"/>
+            <a:off x="10462444" y="3514557"/>
             <a:ext cx="158483" cy="109728"/>
           </a:xfrm>
           <a:prstGeom prst="roundRect">
@@ -22564,7 +22564,7 @@
         </p:nvSpPr>
         <p:spPr>
           <a:xfrm>
-            <a:off x="10462443" y="3815001"/>
+            <a:off x="10462443" y="3847659"/>
             <a:ext cx="640080" cy="109728"/>
           </a:xfrm>
           <a:prstGeom prst="roundRect">
@@ -22608,7 +22608,7 @@
         </p:nvSpPr>
         <p:spPr>
           <a:xfrm>
-            <a:off x="10462443" y="3815001"/>
+            <a:off x="10462443" y="3847659"/>
             <a:ext cx="294756" cy="109728"/>
           </a:xfrm>
           <a:prstGeom prst="roundRect">
@@ -22652,7 +22652,7 @@
         </p:nvSpPr>
         <p:spPr>
           <a:xfrm>
-            <a:off x="10462443" y="4148103"/>
+            <a:off x="10462443" y="4180761"/>
             <a:ext cx="640080" cy="109728"/>
           </a:xfrm>
           <a:prstGeom prst="roundRect">
@@ -22696,7 +22696,7 @@
         </p:nvSpPr>
         <p:spPr>
           <a:xfrm>
-            <a:off x="10462444" y="4148103"/>
+            <a:off x="10462444" y="4180761"/>
             <a:ext cx="284451" cy="109728"/>
           </a:xfrm>
           <a:prstGeom prst="roundRect">
@@ -22740,7 +22740,7 @@
         </p:nvSpPr>
         <p:spPr>
           <a:xfrm>
-            <a:off x="10462443" y="4481205"/>
+            <a:off x="10462443" y="4513863"/>
             <a:ext cx="640080" cy="109728"/>
           </a:xfrm>
           <a:prstGeom prst="roundRect">
@@ -22784,7 +22784,7 @@
         </p:nvSpPr>
         <p:spPr>
           <a:xfrm>
-            <a:off x="10462444" y="4481205"/>
+            <a:off x="10462444" y="4513863"/>
             <a:ext cx="204825" cy="109728"/>
           </a:xfrm>
           <a:prstGeom prst="roundRect">
@@ -22828,7 +22828,7 @@
         </p:nvSpPr>
         <p:spPr>
           <a:xfrm>
-            <a:off x="10462443" y="4814307"/>
+            <a:off x="10462443" y="4846965"/>
             <a:ext cx="640080" cy="109728"/>
           </a:xfrm>
           <a:prstGeom prst="roundRect">
@@ -22872,7 +22872,7 @@
         </p:nvSpPr>
         <p:spPr>
           <a:xfrm>
-            <a:off x="10462443" y="4814307"/>
+            <a:off x="10462443" y="4846965"/>
             <a:ext cx="96012" cy="109728"/>
           </a:xfrm>
           <a:prstGeom prst="roundRect">
@@ -22916,7 +22916,7 @@
         </p:nvSpPr>
         <p:spPr>
           <a:xfrm>
-            <a:off x="10462443" y="5147409"/>
+            <a:off x="10462443" y="5180067"/>
             <a:ext cx="640080" cy="109728"/>
           </a:xfrm>
           <a:prstGeom prst="roundRect">
@@ -22960,7 +22960,7 @@
         </p:nvSpPr>
         <p:spPr>
           <a:xfrm>
-            <a:off x="10462443" y="5147409"/>
+            <a:off x="10462443" y="5180067"/>
             <a:ext cx="182870" cy="109728"/>
           </a:xfrm>
           <a:prstGeom prst="roundRect">
@@ -23004,7 +23004,7 @@
         </p:nvSpPr>
         <p:spPr>
           <a:xfrm>
-            <a:off x="10462443" y="5480511"/>
+            <a:off x="10462443" y="5513169"/>
             <a:ext cx="640080" cy="109728"/>
           </a:xfrm>
           <a:prstGeom prst="roundRect">
@@ -23048,7 +23048,7 @@
         </p:nvSpPr>
         <p:spPr>
           <a:xfrm>
-            <a:off x="10462444" y="5480511"/>
+            <a:off x="10462444" y="5513169"/>
             <a:ext cx="203673" cy="109728"/>
           </a:xfrm>
           <a:prstGeom prst="roundRect">
@@ -23092,7 +23092,7 @@
         </p:nvSpPr>
         <p:spPr>
           <a:xfrm>
-            <a:off x="10462443" y="5813619"/>
+            <a:off x="10462443" y="5846277"/>
             <a:ext cx="640080" cy="109728"/>
           </a:xfrm>
           <a:prstGeom prst="roundRect">
@@ -23136,7 +23136,7 @@
         </p:nvSpPr>
         <p:spPr>
           <a:xfrm>
-            <a:off x="10462443" y="5813619"/>
+            <a:off x="10462443" y="5846277"/>
             <a:ext cx="145490" cy="109728"/>
           </a:xfrm>
           <a:prstGeom prst="roundRect">
@@ -23358,7 +23358,7 @@
         <p:spPr>
           <a:xfrm>
             <a:off x="1249680" y="1005840"/>
-            <a:ext cx="10241280" cy="5303520"/>
+            <a:ext cx="10241280" cy="5151120"/>
           </a:xfrm>
           <a:prstGeom prst="roundRect">
             <a:avLst/>
@@ -23405,7 +23405,7 @@
         </p:nvGraphicFramePr>
         <p:xfrm>
           <a:off x="1615441" y="1371600"/>
-          <a:ext cx="9532803" cy="4663440"/>
+          <a:ext cx="9532803" cy="4511040"/>
         </p:xfrm>
         <a:graphic>
           <a:graphicData uri="http://schemas.openxmlformats.org/drawingml/2006/table">
@@ -23464,13 +23464,13 @@
                   </a:extLst>
                 </a:gridCol>
               </a:tblGrid>
-              <a:tr h="518160">
-                <a:tc>
-                  <a:txBody>
-                    <a:bodyPr/>
-                    <a:lstStyle/>
-                    <a:p>
-                      <a:pPr algn="ctr">
+              <a:tr h="365760">
+                <a:tc>
+                  <a:txBody>
+                    <a:bodyPr/>
+                    <a:lstStyle/>
+                    <a:p>
+                      <a:pPr algn="l">
                         <a:defRPr sz="1600" b="1">
                           <a:solidFill>
                             <a:srgbClr val="FFFFFF"/>
@@ -23493,7 +23493,7 @@
                     <a:bodyPr/>
                     <a:lstStyle/>
                     <a:p>
-                      <a:pPr algn="ctr">
+                      <a:pPr algn="l">
                         <a:defRPr sz="1600" b="1">
                           <a:solidFill>
                             <a:srgbClr val="FFFFFF"/>
@@ -23516,7 +23516,7 @@
                     <a:bodyPr/>
                     <a:lstStyle/>
                     <a:p>
-                      <a:pPr algn="ctr">
+                      <a:pPr algn="l">
                         <a:defRPr sz="1600" b="1">
                           <a:solidFill>
                             <a:srgbClr val="FFFFFF"/>
@@ -23539,7 +23539,7 @@
                     <a:bodyPr/>
                     <a:lstStyle/>
                     <a:p>
-                      <a:pPr algn="ctr">
+                      <a:pPr algn="l">
                         <a:defRPr sz="1600" b="1">
                           <a:solidFill>
                             <a:srgbClr val="FFFFFF"/>
@@ -23562,7 +23562,7 @@
                     <a:bodyPr/>
                     <a:lstStyle/>
                     <a:p>
-                      <a:pPr algn="ctr">
+                      <a:pPr algn="l">
                         <a:defRPr sz="1600" b="1">
                           <a:solidFill>
                             <a:srgbClr val="FFFFFF"/>
@@ -23585,7 +23585,7 @@
                     <a:bodyPr/>
                     <a:lstStyle/>
                     <a:p>
-                      <a:pPr algn="ctr">
+                      <a:pPr algn="l">
                         <a:defRPr sz="1600" b="1">
                           <a:solidFill>
                             <a:srgbClr val="FFFFFF"/>
@@ -23608,7 +23608,7 @@
                     <a:bodyPr/>
                     <a:lstStyle/>
                     <a:p>
-                      <a:pPr algn="ctr">
+                      <a:pPr algn="l">
                         <a:defRPr sz="1600" b="1">
                           <a:solidFill>
                             <a:srgbClr val="FFFFFF"/>
@@ -24988,7 +24988,7 @@
         </p:nvSpPr>
         <p:spPr>
           <a:xfrm>
-            <a:off x="10462443" y="2093976"/>
+            <a:off x="10462443" y="1941576"/>
             <a:ext cx="640080" cy="109728"/>
           </a:xfrm>
           <a:prstGeom prst="roundRect">
@@ -25032,7 +25032,7 @@
         </p:nvSpPr>
         <p:spPr>
           <a:xfrm>
-            <a:off x="10462444" y="2093976"/>
+            <a:off x="10462444" y="1941576"/>
             <a:ext cx="171797" cy="109728"/>
           </a:xfrm>
           <a:prstGeom prst="roundRect">
@@ -25076,7 +25076,7 @@
         </p:nvSpPr>
         <p:spPr>
           <a:xfrm>
-            <a:off x="10462443" y="2612136"/>
+            <a:off x="10462443" y="2459736"/>
             <a:ext cx="640080" cy="109728"/>
           </a:xfrm>
           <a:prstGeom prst="roundRect">
@@ -25120,7 +25120,7 @@
         </p:nvSpPr>
         <p:spPr>
           <a:xfrm>
-            <a:off x="10462443" y="2612136"/>
+            <a:off x="10462443" y="2459736"/>
             <a:ext cx="326824" cy="109728"/>
           </a:xfrm>
           <a:prstGeom prst="roundRect">
@@ -25164,7 +25164,7 @@
         </p:nvSpPr>
         <p:spPr>
           <a:xfrm>
-            <a:off x="10462443" y="3130296"/>
+            <a:off x="10462443" y="2977896"/>
             <a:ext cx="640080" cy="109728"/>
           </a:xfrm>
           <a:prstGeom prst="roundRect">
@@ -25208,7 +25208,7 @@
         </p:nvSpPr>
         <p:spPr>
           <a:xfrm>
-            <a:off x="10462443" y="3130296"/>
+            <a:off x="10462443" y="2977896"/>
             <a:ext cx="224156" cy="109728"/>
           </a:xfrm>
           <a:prstGeom prst="roundRect">
@@ -25252,7 +25252,7 @@
         </p:nvSpPr>
         <p:spPr>
           <a:xfrm>
-            <a:off x="10462443" y="3648456"/>
+            <a:off x="10462443" y="3496056"/>
             <a:ext cx="640080" cy="109728"/>
           </a:xfrm>
           <a:prstGeom prst="roundRect">
@@ -25296,7 +25296,7 @@
         </p:nvSpPr>
         <p:spPr>
           <a:xfrm>
-            <a:off x="10462443" y="3648456"/>
+            <a:off x="10462443" y="3496056"/>
             <a:ext cx="196952" cy="109728"/>
           </a:xfrm>
           <a:prstGeom prst="roundRect">
@@ -25340,7 +25340,7 @@
         </p:nvSpPr>
         <p:spPr>
           <a:xfrm>
-            <a:off x="10462443" y="4166616"/>
+            <a:off x="10462443" y="4014216"/>
             <a:ext cx="640080" cy="109728"/>
           </a:xfrm>
           <a:prstGeom prst="roundRect">
@@ -25384,7 +25384,7 @@
         </p:nvSpPr>
         <p:spPr>
           <a:xfrm>
-            <a:off x="10462443" y="4166616"/>
+            <a:off x="10462443" y="4014216"/>
             <a:ext cx="304486" cy="109728"/>
           </a:xfrm>
           <a:prstGeom prst="roundRect">
@@ -25428,7 +25428,7 @@
         </p:nvSpPr>
         <p:spPr>
           <a:xfrm>
-            <a:off x="10462443" y="4684776"/>
+            <a:off x="10462443" y="4532376"/>
             <a:ext cx="640080" cy="109728"/>
           </a:xfrm>
           <a:prstGeom prst="roundRect">
@@ -25472,7 +25472,7 @@
         </p:nvSpPr>
         <p:spPr>
           <a:xfrm>
-            <a:off x="10462443" y="4684776"/>
+            <a:off x="10462443" y="4532376"/>
             <a:ext cx="211098" cy="109728"/>
           </a:xfrm>
           <a:prstGeom prst="roundRect">
@@ -25516,7 +25516,7 @@
         </p:nvSpPr>
         <p:spPr>
           <a:xfrm>
-            <a:off x="10462443" y="5202936"/>
+            <a:off x="10462443" y="5050536"/>
             <a:ext cx="640080" cy="109728"/>
           </a:xfrm>
           <a:prstGeom prst="roundRect">
@@ -25560,7 +25560,7 @@
         </p:nvSpPr>
         <p:spPr>
           <a:xfrm>
-            <a:off x="10462443" y="5202936"/>
+            <a:off x="10462443" y="5050536"/>
             <a:ext cx="182870" cy="109728"/>
           </a:xfrm>
           <a:prstGeom prst="roundRect">
@@ -25604,7 +25604,7 @@
         </p:nvSpPr>
         <p:spPr>
           <a:xfrm>
-            <a:off x="10462443" y="5721096"/>
+            <a:off x="10462443" y="5568696"/>
             <a:ext cx="640080" cy="109728"/>
           </a:xfrm>
           <a:prstGeom prst="roundRect">
@@ -25648,7 +25648,7 @@
         </p:nvSpPr>
         <p:spPr>
           <a:xfrm>
-            <a:off x="10462444" y="5721096"/>
+            <a:off x="10462444" y="5568696"/>
             <a:ext cx="155155" cy="109728"/>
           </a:xfrm>
           <a:prstGeom prst="roundRect">
